--- a/ASP.NET Bootstraper.pptx
+++ b/ASP.NET Bootstraper.pptx
@@ -5,17 +5,15 @@
     <p:sldMasterId id="2147483648" r:id="rId1"/>
   </p:sldMasterIdLst>
   <p:notesMasterIdLst>
-    <p:notesMasterId r:id="rId10"/>
+    <p:notesMasterId r:id="rId8"/>
   </p:notesMasterIdLst>
   <p:sldIdLst>
     <p:sldId id="256" r:id="rId2"/>
     <p:sldId id="259" r:id="rId3"/>
-    <p:sldId id="296" r:id="rId4"/>
-    <p:sldId id="289" r:id="rId5"/>
-    <p:sldId id="291" r:id="rId6"/>
-    <p:sldId id="292" r:id="rId7"/>
-    <p:sldId id="267" r:id="rId8"/>
-    <p:sldId id="266" r:id="rId9"/>
+    <p:sldId id="293" r:id="rId4"/>
+    <p:sldId id="292" r:id="rId5"/>
+    <p:sldId id="267" r:id="rId6"/>
+    <p:sldId id="266" r:id="rId7"/>
   </p:sldIdLst>
   <p:sldSz cx="12192000" cy="6858000"/>
   <p:notesSz cx="6858000" cy="9144000"/>
@@ -9686,14 +9684,49 @@
               <a:t>github</a:t>
             </a:r>
             <a:r>
-              <a:rPr lang="en-US" dirty="0" smtClean="0">
+              <a:rPr lang="en-US" dirty="0">
                 <a:solidFill>
                   <a:schemeClr val="bg1">
                     <a:lumMod val="50000"/>
                   </a:schemeClr>
                 </a:solidFill>
               </a:rPr>
-              <a:t>.</a:t>
+              <a:t>:</a:t>
+            </a:r>
+            <a:endParaRPr lang="en-US" dirty="0" smtClean="0">
+              <a:solidFill>
+                <a:schemeClr val="bg1">
+                  <a:lumMod val="50000"/>
+                </a:schemeClr>
+              </a:solidFill>
+            </a:endParaRPr>
+          </a:p>
+        </p:txBody>
+      </p:sp>
+      <p:sp>
+        <p:nvSpPr>
+          <p:cNvPr id="3" name="Rectangle 2"/>
+          <p:cNvSpPr/>
+          <p:nvPr/>
+        </p:nvSpPr>
+        <p:spPr>
+          <a:xfrm>
+            <a:off x="2648027" y="3274774"/>
+            <a:ext cx="5295745" cy="369332"/>
+          </a:xfrm>
+          <a:prstGeom prst="rect">
+            <a:avLst/>
+          </a:prstGeom>
+        </p:spPr>
+        <p:txBody>
+          <a:bodyPr wrap="none">
+            <a:spAutoFit/>
+          </a:bodyPr>
+          <a:lstStyle/>
+          <a:p>
+            <a:r>
+              <a:rPr lang="en-US" dirty="0"/>
+              <a:t>https://github.com/aukgit/ASP.NET-MVC-Bootstrapper</a:t>
             </a:r>
           </a:p>
         </p:txBody>
@@ -9880,261 +9913,33 @@
                       </p:childTnLst>
                     </p:cTn>
                   </p:par>
-                </p:childTnLst>
-              </p:cTn>
-              <p:prevCondLst>
-                <p:cond evt="onPrev" delay="0">
-                  <p:tgtEl>
-                    <p:sldTgt/>
-                  </p:tgtEl>
-                </p:cond>
-              </p:prevCondLst>
-              <p:nextCondLst>
-                <p:cond evt="onNext" delay="0">
-                  <p:tgtEl>
-                    <p:sldTgt/>
-                  </p:tgtEl>
-                </p:cond>
-              </p:nextCondLst>
-            </p:seq>
-          </p:childTnLst>
-        </p:cTn>
-      </p:par>
-    </p:tnLst>
-    <p:bldLst>
-      <p:bldP spid="7" grpId="0"/>
-      <p:bldP spid="7" grpId="1"/>
-      <p:bldP spid="7" grpId="2"/>
-      <p:bldP spid="7" grpId="3"/>
-    </p:bldLst>
-  </p:timing>
-</p:sld>
-</file>
-
-<file path=ppt/slides/slide3.xml><?xml version="1.0" encoding="utf-8"?>
-<p:sld xmlns:a="http://schemas.openxmlformats.org/drawingml/2006/main" xmlns:r="http://schemas.openxmlformats.org/officeDocument/2006/relationships" xmlns:p="http://schemas.openxmlformats.org/presentationml/2006/main">
-  <p:cSld>
-    <p:spTree>
-      <p:nvGrpSpPr>
-        <p:cNvPr id="1" name=""/>
-        <p:cNvGrpSpPr/>
-        <p:nvPr/>
-      </p:nvGrpSpPr>
-      <p:grpSpPr>
-        <a:xfrm>
-          <a:off x="0" y="0"/>
-          <a:ext cx="0" cy="0"/>
-          <a:chOff x="0" y="0"/>
-          <a:chExt cx="0" cy="0"/>
-        </a:xfrm>
-      </p:grpSpPr>
-      <p:sp>
-        <p:nvSpPr>
-          <p:cNvPr id="2" name="Title 1"/>
-          <p:cNvSpPr>
-            <a:spLocks noGrp="1"/>
-          </p:cNvSpPr>
-          <p:nvPr>
-            <p:ph type="title"/>
-          </p:nvPr>
-        </p:nvSpPr>
-        <p:spPr>
-          <a:xfrm>
-            <a:off x="831850" y="3657600"/>
-            <a:ext cx="10515600" cy="904875"/>
-          </a:xfrm>
-        </p:spPr>
-        <p:txBody>
-          <a:bodyPr>
-            <a:normAutofit fontScale="90000"/>
-          </a:bodyPr>
-          <a:lstStyle/>
-          <a:p>
-            <a:r>
-              <a:rPr lang="en-US" dirty="0" smtClean="0"/>
-              <a:t>Introduction</a:t>
-            </a:r>
-            <a:endParaRPr lang="en-US" dirty="0"/>
-          </a:p>
-        </p:txBody>
-      </p:sp>
-      <p:sp>
-        <p:nvSpPr>
-          <p:cNvPr id="4" name="Slide Number Placeholder 3"/>
-          <p:cNvSpPr>
-            <a:spLocks noGrp="1"/>
-          </p:cNvSpPr>
-          <p:nvPr>
-            <p:ph type="sldNum" sz="quarter" idx="12"/>
-          </p:nvPr>
-        </p:nvSpPr>
-        <p:spPr/>
-        <p:txBody>
-          <a:bodyPr/>
-          <a:lstStyle/>
-          <a:p>
-            <a:fld id="{3405949F-09D4-4823-AF2C-A9E8A428D48D}" type="slidenum">
-              <a:rPr lang="en-US" smtClean="0"/>
-              <a:t>3</a:t>
-            </a:fld>
-            <a:endParaRPr lang="en-US"/>
-          </a:p>
-        </p:txBody>
-      </p:sp>
-      <p:sp>
-        <p:nvSpPr>
-          <p:cNvPr id="6" name="Text Placeholder 5"/>
-          <p:cNvSpPr>
-            <a:spLocks noGrp="1"/>
-          </p:cNvSpPr>
-          <p:nvPr>
-            <p:ph type="body" idx="1"/>
-          </p:nvPr>
-        </p:nvSpPr>
-        <p:spPr/>
-        <p:txBody>
-          <a:bodyPr/>
-          <a:lstStyle/>
-          <a:p>
-            <a:r>
-              <a:rPr lang="en-US" dirty="0" smtClean="0"/>
-              <a:t>ASP.NET MVC </a:t>
-            </a:r>
-            <a:r>
-              <a:rPr lang="en-US" dirty="0" err="1" smtClean="0"/>
-              <a:t>Boostratpper</a:t>
-            </a:r>
-            <a:r>
-              <a:rPr lang="en-US" dirty="0" smtClean="0"/>
-              <a:t> : An </a:t>
-            </a:r>
-            <a:r>
-              <a:rPr lang="en-US" dirty="0" err="1" smtClean="0"/>
-              <a:t>opensource</a:t>
-            </a:r>
-            <a:r>
-              <a:rPr lang="en-US" dirty="0" smtClean="0"/>
-              <a:t> enterprise framework and project template.</a:t>
-            </a:r>
-            <a:endParaRPr lang="en-US" dirty="0"/>
-          </a:p>
-        </p:txBody>
-      </p:sp>
-      <p:sp>
-        <p:nvSpPr>
-          <p:cNvPr id="7" name="TextBox 6"/>
-          <p:cNvSpPr txBox="1"/>
-          <p:nvPr/>
-        </p:nvSpPr>
-        <p:spPr>
-          <a:xfrm>
-            <a:off x="831850" y="3261280"/>
-            <a:ext cx="1925399" cy="369332"/>
-          </a:xfrm>
-          <a:prstGeom prst="rect">
-            <a:avLst/>
-          </a:prstGeom>
-          <a:noFill/>
-        </p:spPr>
-        <p:txBody>
-          <a:bodyPr wrap="none" rtlCol="0">
-            <a:spAutoFit/>
-          </a:bodyPr>
-          <a:lstStyle/>
-          <a:p>
-            <a:r>
-              <a:rPr lang="en-US" dirty="0" smtClean="0">
-                <a:solidFill>
-                  <a:schemeClr val="bg1">
-                    <a:lumMod val="50000"/>
-                  </a:schemeClr>
-                </a:solidFill>
-              </a:rPr>
-              <a:t>Get it from </a:t>
-            </a:r>
-            <a:r>
-              <a:rPr lang="en-US" dirty="0" err="1" smtClean="0">
-                <a:solidFill>
-                  <a:schemeClr val="bg1">
-                    <a:lumMod val="50000"/>
-                  </a:schemeClr>
-                </a:solidFill>
-              </a:rPr>
-              <a:t>github</a:t>
-            </a:r>
-            <a:r>
-              <a:rPr lang="en-US" dirty="0" smtClean="0">
-                <a:solidFill>
-                  <a:schemeClr val="bg1">
-                    <a:lumMod val="50000"/>
-                  </a:schemeClr>
-                </a:solidFill>
-              </a:rPr>
-              <a:t>.</a:t>
-            </a:r>
-          </a:p>
-        </p:txBody>
-      </p:sp>
-    </p:spTree>
-    <p:extLst>
-      <p:ext uri="{BB962C8B-B14F-4D97-AF65-F5344CB8AC3E}">
-        <p14:creationId xmlns:p14="http://schemas.microsoft.com/office/powerpoint/2010/main" val="1296009119"/>
-      </p:ext>
-    </p:extLst>
-  </p:cSld>
-  <p:clrMapOvr>
-    <a:masterClrMapping/>
-  </p:clrMapOvr>
-  <mc:AlternateContent xmlns:mc="http://schemas.openxmlformats.org/markup-compatibility/2006">
-    <mc:Choice xmlns:p14="http://schemas.microsoft.com/office/powerpoint/2010/main" Requires="p14">
-      <p:transition spd="slow" p14:dur="1600">
-        <p14:conveyor dir="l"/>
-      </p:transition>
-    </mc:Choice>
-    <mc:Fallback>
-      <p:transition spd="slow">
-        <p:fade/>
-      </p:transition>
-    </mc:Fallback>
-  </mc:AlternateContent>
-  <p:timing>
-    <p:tnLst>
-      <p:par>
-        <p:cTn id="1" dur="indefinite" restart="never" nodeType="tmRoot">
-          <p:childTnLst>
-            <p:seq concurrent="1" nextAc="seek">
-              <p:cTn id="2" dur="indefinite" nodeType="mainSeq">
-                <p:childTnLst>
                   <p:par>
-                    <p:cTn id="3" fill="hold">
+                    <p:cTn id="16" fill="hold">
                       <p:stCondLst>
                         <p:cond delay="indefinite"/>
                       </p:stCondLst>
                       <p:childTnLst>
                         <p:par>
-                          <p:cTn id="4" fill="hold">
+                          <p:cTn id="17" fill="hold">
                             <p:stCondLst>
                               <p:cond delay="0"/>
                             </p:stCondLst>
                             <p:childTnLst>
                               <p:par>
-                                <p:cTn id="5" presetID="10" presetClass="entr" presetSubtype="0" fill="hold" grpId="0" nodeType="clickEffect">
+                                <p:cTn id="18" presetID="22" presetClass="entr" presetSubtype="8" fill="hold" grpId="0" nodeType="clickEffect">
                                   <p:stCondLst>
                                     <p:cond delay="0"/>
                                   </p:stCondLst>
-                                  <p:iterate type="lt">
-                                    <p:tmPct val="0"/>
-                                  </p:iterate>
                                   <p:childTnLst>
                                     <p:set>
                                       <p:cBhvr>
-                                        <p:cTn id="6" dur="1" fill="hold">
+                                        <p:cTn id="19" dur="1" fill="hold">
                                           <p:stCondLst>
                                             <p:cond delay="0"/>
                                           </p:stCondLst>
                                         </p:cTn>
                                         <p:tgtEl>
-                                          <p:spTgt spid="7"/>
+                                          <p:spTgt spid="3"/>
                                         </p:tgtEl>
                                         <p:attrNameLst>
                                           <p:attrName>style.visibility</p:attrName>
@@ -10144,110 +9949,14 @@
                                         <p:strVal val="visible"/>
                                       </p:to>
                                     </p:set>
-                                    <p:animEffect transition="in" filter="fade">
+                                    <p:animEffect transition="in" filter="wipe(left)">
                                       <p:cBhvr>
-                                        <p:cTn id="7" dur="500"/>
+                                        <p:cTn id="20" dur="500"/>
                                         <p:tgtEl>
-                                          <p:spTgt spid="7"/>
+                                          <p:spTgt spid="3"/>
                                         </p:tgtEl>
                                       </p:cBhvr>
                                     </p:animEffect>
-                                  </p:childTnLst>
-                                </p:cTn>
-                              </p:par>
-                              <p:par>
-                                <p:cTn id="8" presetID="3" presetClass="emph" presetSubtype="2" fill="hold" grpId="1" nodeType="withEffect">
-                                  <p:stCondLst>
-                                    <p:cond delay="0"/>
-                                  </p:stCondLst>
-                                  <p:iterate type="lt">
-                                    <p:tmPct val="0"/>
-                                  </p:iterate>
-                                  <p:childTnLst>
-                                    <p:animClr clrSpc="rgb" dir="cw">
-                                      <p:cBhvr override="childStyle">
-                                        <p:cTn id="9" dur="900" fill="hold"/>
-                                        <p:tgtEl>
-                                          <p:spTgt spid="7"/>
-                                        </p:tgtEl>
-                                        <p:attrNameLst>
-                                          <p:attrName>style.color</p:attrName>
-                                        </p:attrNameLst>
-                                      </p:cBhvr>
-                                      <p:to>
-                                        <a:srgbClr val="FF0000"/>
-                                      </p:to>
-                                    </p:animClr>
-                                  </p:childTnLst>
-                                </p:cTn>
-                              </p:par>
-                              <p:par>
-                                <p:cTn id="10" presetID="15" presetClass="emph" presetSubtype="0" grpId="3" nodeType="withEffect">
-                                  <p:stCondLst>
-                                    <p:cond delay="0"/>
-                                  </p:stCondLst>
-                                  <p:iterate type="lt">
-                                    <p:tmAbs val="25"/>
-                                  </p:iterate>
-                                  <p:childTnLst>
-                                    <p:set>
-                                      <p:cBhvr override="childStyle">
-                                        <p:cTn id="11" dur="4800"/>
-                                        <p:tgtEl>
-                                          <p:spTgt spid="7"/>
-                                        </p:tgtEl>
-                                        <p:attrNameLst>
-                                          <p:attrName>style.fontWeight</p:attrName>
-                                        </p:attrNameLst>
-                                      </p:cBhvr>
-                                      <p:to>
-                                        <p:strVal val="bold"/>
-                                      </p:to>
-                                    </p:set>
-                                  </p:childTnLst>
-                                </p:cTn>
-                              </p:par>
-                            </p:childTnLst>
-                          </p:cTn>
-                        </p:par>
-                      </p:childTnLst>
-                    </p:cTn>
-                  </p:par>
-                  <p:par>
-                    <p:cTn id="12" fill="hold">
-                      <p:stCondLst>
-                        <p:cond delay="indefinite"/>
-                      </p:stCondLst>
-                      <p:childTnLst>
-                        <p:par>
-                          <p:cTn id="13" fill="hold">
-                            <p:stCondLst>
-                              <p:cond delay="0"/>
-                            </p:stCondLst>
-                            <p:childTnLst>
-                              <p:par>
-                                <p:cTn id="14" presetID="3" presetClass="emph" presetSubtype="2" fill="hold" grpId="2" nodeType="clickEffect">
-                                  <p:stCondLst>
-                                    <p:cond delay="0"/>
-                                  </p:stCondLst>
-                                  <p:iterate type="lt">
-                                    <p:tmPct val="0"/>
-                                  </p:iterate>
-                                  <p:childTnLst>
-                                    <p:animClr clrSpc="rgb" dir="cw">
-                                      <p:cBhvr override="childStyle">
-                                        <p:cTn id="15" dur="1000" fill="hold"/>
-                                        <p:tgtEl>
-                                          <p:spTgt spid="7"/>
-                                        </p:tgtEl>
-                                        <p:attrNameLst>
-                                          <p:attrName>style.color</p:attrName>
-                                        </p:attrNameLst>
-                                      </p:cBhvr>
-                                      <p:to>
-                                        <a:srgbClr val="7F7F7F"/>
-                                      </p:to>
-                                    </p:animClr>
                                   </p:childTnLst>
                                 </p:cTn>
                               </p:par>
@@ -10283,12 +9992,13 @@
       <p:bldP spid="7" grpId="1"/>
       <p:bldP spid="7" grpId="2"/>
       <p:bldP spid="7" grpId="3"/>
+      <p:bldP spid="3" grpId="0"/>
     </p:bldLst>
   </p:timing>
 </p:sld>
 </file>
 
-<file path=ppt/slides/slide4.xml><?xml version="1.0" encoding="utf-8"?>
+<file path=ppt/slides/slide3.xml><?xml version="1.0" encoding="utf-8"?>
 <p:sld xmlns:a="http://schemas.openxmlformats.org/drawingml/2006/main" xmlns:r="http://schemas.openxmlformats.org/officeDocument/2006/relationships" xmlns:p="http://schemas.openxmlformats.org/presentationml/2006/main">
   <p:cSld>
     <p:spTree>
@@ -10322,7 +10032,7 @@
           <a:p>
             <a:fld id="{3405949F-09D4-4823-AF2C-A9E8A428D48D}" type="slidenum">
               <a:rPr lang="en-US" smtClean="0"/>
-              <a:t>4</a:t>
+              <a:t>3</a:t>
             </a:fld>
             <a:endParaRPr lang="en-US"/>
           </a:p>
@@ -10336,8 +10046,8 @@
         </p:nvSpPr>
         <p:spPr>
           <a:xfrm>
-            <a:off x="5520650" y="3013502"/>
-            <a:ext cx="1150700" cy="830997"/>
+            <a:off x="3022338" y="3013502"/>
+            <a:ext cx="6147324" cy="830997"/>
           </a:xfrm>
           <a:prstGeom prst="rect">
             <a:avLst/>
@@ -10359,43 +10069,7 @@
                   </a:schemeClr>
                 </a:solidFill>
               </a:rPr>
-              <a:t>Like</a:t>
-            </a:r>
-          </a:p>
-        </p:txBody>
-      </p:sp>
-      <p:sp>
-        <p:nvSpPr>
-          <p:cNvPr id="6" name="TextBox 5"/>
-          <p:cNvSpPr txBox="1"/>
-          <p:nvPr/>
-        </p:nvSpPr>
-        <p:spPr>
-          <a:xfrm>
-            <a:off x="5296807" y="3013502"/>
-            <a:ext cx="1598386" cy="830997"/>
-          </a:xfrm>
-          <a:prstGeom prst="rect">
-            <a:avLst/>
-          </a:prstGeom>
-          <a:noFill/>
-        </p:spPr>
-        <p:txBody>
-          <a:bodyPr wrap="none" rtlCol="0">
-            <a:spAutoFit/>
-          </a:bodyPr>
-          <a:lstStyle/>
-          <a:p>
-            <a:pPr algn="ctr"/>
-            <a:r>
-              <a:rPr lang="en-US" sz="4800" dirty="0" smtClean="0">
-                <a:solidFill>
-                  <a:schemeClr val="bg1">
-                    <a:lumMod val="50000"/>
-                  </a:schemeClr>
-                </a:solidFill>
-              </a:rPr>
-              <a:t>Share</a:t>
+              <a:t>Like + Share + Subscribe</a:t>
             </a:r>
           </a:p>
         </p:txBody>
@@ -10403,18 +10077,18 @@
     </p:spTree>
     <p:extLst>
       <p:ext uri="{BB962C8B-B14F-4D97-AF65-F5344CB8AC3E}">
-        <p14:creationId xmlns:p14="http://schemas.microsoft.com/office/powerpoint/2010/main" val="3049897001"/>
+        <p14:creationId xmlns:p14="http://schemas.microsoft.com/office/powerpoint/2010/main" val="1301800127"/>
       </p:ext>
     </p:extLst>
   </p:cSld>
   <p:clrMapOvr>
     <a:masterClrMapping/>
   </p:clrMapOvr>
-  <mc:AlternateContent xmlns:mc="http://schemas.openxmlformats.org/markup-compatibility/2006" xmlns:p14="http://schemas.microsoft.com/office/powerpoint/2010/main">
-    <mc:Choice Requires="p14">
+  <mc:AlternateContent xmlns:mc="http://schemas.openxmlformats.org/markup-compatibility/2006">
+    <mc:Choice xmlns:p14="http://schemas.microsoft.com/office/powerpoint/2010/main" Requires="p14">
       <p:transition p14:dur="0"/>
     </mc:Choice>
-    <mc:Fallback xmlns="">
+    <mc:Fallback>
       <p:transition/>
     </mc:Fallback>
   </mc:AlternateContent>
@@ -10622,202 +10296,6 @@
                       </p:childTnLst>
                     </p:cTn>
                   </p:par>
-                  <p:par>
-                    <p:cTn id="19" fill="hold">
-                      <p:stCondLst>
-                        <p:cond delay="indefinite"/>
-                      </p:stCondLst>
-                      <p:childTnLst>
-                        <p:par>
-                          <p:cTn id="20" fill="hold">
-                            <p:stCondLst>
-                              <p:cond delay="0"/>
-                            </p:stCondLst>
-                            <p:childTnLst>
-                              <p:par>
-                                <p:cTn id="21" presetID="10" presetClass="entr" presetSubtype="0" fill="hold" grpId="0" nodeType="clickEffect">
-                                  <p:stCondLst>
-                                    <p:cond delay="0"/>
-                                  </p:stCondLst>
-                                  <p:iterate type="lt">
-                                    <p:tmPct val="0"/>
-                                  </p:iterate>
-                                  <p:childTnLst>
-                                    <p:set>
-                                      <p:cBhvr>
-                                        <p:cTn id="22" dur="1" fill="hold">
-                                          <p:stCondLst>
-                                            <p:cond delay="0"/>
-                                          </p:stCondLst>
-                                        </p:cTn>
-                                        <p:tgtEl>
-                                          <p:spTgt spid="6"/>
-                                        </p:tgtEl>
-                                        <p:attrNameLst>
-                                          <p:attrName>style.visibility</p:attrName>
-                                        </p:attrNameLst>
-                                      </p:cBhvr>
-                                      <p:to>
-                                        <p:strVal val="visible"/>
-                                      </p:to>
-                                    </p:set>
-                                    <p:animEffect transition="in" filter="fade">
-                                      <p:cBhvr>
-                                        <p:cTn id="23" dur="500"/>
-                                        <p:tgtEl>
-                                          <p:spTgt spid="6"/>
-                                        </p:tgtEl>
-                                      </p:cBhvr>
-                                    </p:animEffect>
-                                  </p:childTnLst>
-                                </p:cTn>
-                              </p:par>
-                              <p:par>
-                                <p:cTn id="24" presetID="16" presetClass="emph" presetSubtype="0" fill="hold" grpId="1" nodeType="withEffect">
-                                  <p:stCondLst>
-                                    <p:cond delay="0"/>
-                                  </p:stCondLst>
-                                  <p:iterate type="lt">
-                                    <p:tmPct val="4000"/>
-                                  </p:iterate>
-                                  <p:childTnLst>
-                                    <p:set>
-                                      <p:cBhvr override="childStyle">
-                                        <p:cTn id="25" dur="500" fill="hold"/>
-                                        <p:tgtEl>
-                                          <p:spTgt spid="6"/>
-                                        </p:tgtEl>
-                                        <p:attrNameLst>
-                                          <p:attrName>style.color</p:attrName>
-                                        </p:attrNameLst>
-                                      </p:cBhvr>
-                                      <p:to>
-                                        <p:clrVal>
-                                          <a:srgbClr val="00B0F0"/>
-                                        </p:clrVal>
-                                      </p:to>
-                                    </p:set>
-                                    <p:set>
-                                      <p:cBhvr>
-                                        <p:cTn id="26" dur="500" fill="hold"/>
-                                        <p:tgtEl>
-                                          <p:spTgt spid="6"/>
-                                        </p:tgtEl>
-                                        <p:attrNameLst>
-                                          <p:attrName>fillcolor</p:attrName>
-                                        </p:attrNameLst>
-                                      </p:cBhvr>
-                                      <p:to>
-                                        <p:clrVal>
-                                          <a:srgbClr val="00B0F0"/>
-                                        </p:clrVal>
-                                      </p:to>
-                                    </p:set>
-                                    <p:set>
-                                      <p:cBhvr>
-                                        <p:cTn id="27" dur="500" fill="hold"/>
-                                        <p:tgtEl>
-                                          <p:spTgt spid="6"/>
-                                        </p:tgtEl>
-                                        <p:attrNameLst>
-                                          <p:attrName>fill.type</p:attrName>
-                                        </p:attrNameLst>
-                                      </p:cBhvr>
-                                      <p:to>
-                                        <p:strVal val="solid"/>
-                                      </p:to>
-                                    </p:set>
-                                  </p:childTnLst>
-                                </p:cTn>
-                              </p:par>
-                              <p:par>
-                                <p:cTn id="28" presetID="15" presetClass="emph" presetSubtype="0" grpId="2" nodeType="withEffect">
-                                  <p:stCondLst>
-                                    <p:cond delay="1000"/>
-                                  </p:stCondLst>
-                                  <p:iterate type="lt">
-                                    <p:tmAbs val="25"/>
-                                  </p:iterate>
-                                  <p:childTnLst>
-                                    <p:set>
-                                      <p:cBhvr override="childStyle">
-                                        <p:cTn id="29" dur="4800"/>
-                                        <p:tgtEl>
-                                          <p:spTgt spid="6"/>
-                                        </p:tgtEl>
-                                        <p:attrNameLst>
-                                          <p:attrName>style.fontWeight</p:attrName>
-                                        </p:attrNameLst>
-                                      </p:cBhvr>
-                                      <p:to>
-                                        <p:strVal val="bold"/>
-                                      </p:to>
-                                    </p:set>
-                                  </p:childTnLst>
-                                </p:cTn>
-                              </p:par>
-                            </p:childTnLst>
-                          </p:cTn>
-                        </p:par>
-                      </p:childTnLst>
-                    </p:cTn>
-                  </p:par>
-                  <p:par>
-                    <p:cTn id="30" fill="hold">
-                      <p:stCondLst>
-                        <p:cond delay="indefinite"/>
-                      </p:stCondLst>
-                      <p:childTnLst>
-                        <p:par>
-                          <p:cTn id="31" fill="hold">
-                            <p:stCondLst>
-                              <p:cond delay="0"/>
-                            </p:stCondLst>
-                            <p:childTnLst>
-                              <p:par>
-                                <p:cTn id="32" presetID="10" presetClass="exit" presetSubtype="0" fill="hold" grpId="3" nodeType="clickEffect">
-                                  <p:stCondLst>
-                                    <p:cond delay="0"/>
-                                  </p:stCondLst>
-                                  <p:iterate type="lt">
-                                    <p:tmPct val="0"/>
-                                  </p:iterate>
-                                  <p:childTnLst>
-                                    <p:animEffect transition="out" filter="fade">
-                                      <p:cBhvr>
-                                        <p:cTn id="33" dur="500"/>
-                                        <p:tgtEl>
-                                          <p:spTgt spid="6"/>
-                                        </p:tgtEl>
-                                      </p:cBhvr>
-                                    </p:animEffect>
-                                    <p:set>
-                                      <p:cBhvr>
-                                        <p:cTn id="34" dur="1" fill="hold">
-                                          <p:stCondLst>
-                                            <p:cond delay="499"/>
-                                          </p:stCondLst>
-                                        </p:cTn>
-                                        <p:tgtEl>
-                                          <p:spTgt spid="6"/>
-                                        </p:tgtEl>
-                                        <p:attrNameLst>
-                                          <p:attrName>style.visibility</p:attrName>
-                                        </p:attrNameLst>
-                                      </p:cBhvr>
-                                      <p:to>
-                                        <p:strVal val="hidden"/>
-                                      </p:to>
-                                    </p:set>
-                                  </p:childTnLst>
-                                </p:cTn>
-                              </p:par>
-                            </p:childTnLst>
-                          </p:cTn>
-                        </p:par>
-                      </p:childTnLst>
-                    </p:cTn>
-                  </p:par>
                 </p:childTnLst>
               </p:cTn>
               <p:prevCondLst>
@@ -10844,16 +10322,12 @@
       <p:bldP spid="8" grpId="1"/>
       <p:bldP spid="8" grpId="2"/>
       <p:bldP spid="8" grpId="3"/>
-      <p:bldP spid="6" grpId="0"/>
-      <p:bldP spid="6" grpId="1"/>
-      <p:bldP spid="6" grpId="2"/>
-      <p:bldP spid="6" grpId="3"/>
     </p:bldLst>
   </p:timing>
 </p:sld>
 </file>
 
-<file path=ppt/slides/slide5.xml><?xml version="1.0" encoding="utf-8"?>
+<file path=ppt/slides/slide4.xml><?xml version="1.0" encoding="utf-8"?>
 <p:sld xmlns:a="http://schemas.openxmlformats.org/drawingml/2006/main" xmlns:r="http://schemas.openxmlformats.org/officeDocument/2006/relationships" xmlns:p="http://schemas.openxmlformats.org/presentationml/2006/main">
   <p:cSld>
     <p:spTree>
@@ -10887,424 +10361,7 @@
           <a:p>
             <a:fld id="{3405949F-09D4-4823-AF2C-A9E8A428D48D}" type="slidenum">
               <a:rPr lang="en-US" smtClean="0"/>
-              <a:t>5</a:t>
-            </a:fld>
-            <a:endParaRPr lang="en-US"/>
-          </a:p>
-        </p:txBody>
-      </p:sp>
-      <p:sp>
-        <p:nvSpPr>
-          <p:cNvPr id="8" name="TextBox 7"/>
-          <p:cNvSpPr txBox="1"/>
-          <p:nvPr/>
-        </p:nvSpPr>
-        <p:spPr>
-          <a:xfrm>
-            <a:off x="4546699" y="4059947"/>
-            <a:ext cx="2852384" cy="830997"/>
-          </a:xfrm>
-          <a:prstGeom prst="rect">
-            <a:avLst/>
-          </a:prstGeom>
-          <a:noFill/>
-        </p:spPr>
-        <p:txBody>
-          <a:bodyPr wrap="none" rtlCol="0">
-            <a:spAutoFit/>
-          </a:bodyPr>
-          <a:lstStyle/>
-          <a:p>
-            <a:pPr algn="ctr"/>
-            <a:r>
-              <a:rPr lang="en-US" sz="4800" dirty="0" smtClean="0">
-                <a:solidFill>
-                  <a:schemeClr val="bg1">
-                    <a:lumMod val="50000"/>
-                  </a:schemeClr>
-                </a:solidFill>
-              </a:rPr>
-              <a:t>Stay tuned</a:t>
-            </a:r>
-          </a:p>
-        </p:txBody>
-      </p:sp>
-      <p:grpSp>
-        <p:nvGrpSpPr>
-          <p:cNvPr id="9" name="Group 8"/>
-          <p:cNvGrpSpPr/>
-          <p:nvPr/>
-        </p:nvGrpSpPr>
-        <p:grpSpPr>
-          <a:xfrm>
-            <a:off x="4729143" y="1747177"/>
-            <a:ext cx="2487495" cy="2335310"/>
-            <a:chOff x="4852253" y="3704799"/>
-            <a:chExt cx="2487495" cy="2335310"/>
-          </a:xfrm>
-        </p:grpSpPr>
-        <p:pic>
-          <p:nvPicPr>
-            <p:cNvPr id="3" name="Picture 2"/>
-            <p:cNvPicPr>
-              <a:picLocks noChangeAspect="1"/>
-            </p:cNvPicPr>
-            <p:nvPr/>
-          </p:nvPicPr>
-          <p:blipFill>
-            <a:blip r:embed="rId2">
-              <a:extLst>
-                <a:ext uri="{28A0092B-C50C-407E-A947-70E740481C1C}">
-                  <a14:useLocalDpi xmlns:a14="http://schemas.microsoft.com/office/drawing/2010/main" val="0"/>
-                </a:ext>
-              </a:extLst>
-            </a:blip>
-            <a:stretch>
-              <a:fillRect/>
-            </a:stretch>
-          </p:blipFill>
-          <p:spPr>
-            <a:xfrm>
-              <a:off x="5143501" y="3704799"/>
-              <a:ext cx="1905000" cy="1905000"/>
-            </a:xfrm>
-            <a:prstGeom prst="rect">
-              <a:avLst/>
-            </a:prstGeom>
-          </p:spPr>
-        </p:pic>
-        <p:grpSp>
-          <p:nvGrpSpPr>
-            <p:cNvPr id="6" name="Group 5"/>
-            <p:cNvGrpSpPr/>
-            <p:nvPr/>
-          </p:nvGrpSpPr>
-          <p:grpSpPr>
-            <a:xfrm>
-              <a:off x="4852253" y="5609799"/>
-              <a:ext cx="2487495" cy="430310"/>
-              <a:chOff x="4694641" y="5571361"/>
-              <a:chExt cx="2487495" cy="430310"/>
-            </a:xfrm>
-          </p:grpSpPr>
-          <p:pic>
-            <p:nvPicPr>
-              <p:cNvPr id="4" name="Picture 3"/>
-              <p:cNvPicPr>
-                <a:picLocks noChangeAspect="1"/>
-              </p:cNvPicPr>
-              <p:nvPr/>
-            </p:nvPicPr>
-            <p:blipFill>
-              <a:blip r:embed="rId3" cstate="print">
-                <a:extLst>
-                  <a:ext uri="{28A0092B-C50C-407E-A947-70E740481C1C}">
-                    <a14:useLocalDpi xmlns:a14="http://schemas.microsoft.com/office/drawing/2010/main" val="0"/>
-                  </a:ext>
-                </a:extLst>
-              </a:blip>
-              <a:stretch>
-                <a:fillRect/>
-              </a:stretch>
-            </p:blipFill>
-            <p:spPr>
-              <a:xfrm>
-                <a:off x="4694641" y="5571361"/>
-                <a:ext cx="430310" cy="430310"/>
-              </a:xfrm>
-              <a:prstGeom prst="rect">
-                <a:avLst/>
-              </a:prstGeom>
-            </p:spPr>
-          </p:pic>
-          <p:sp>
-            <p:nvSpPr>
-              <p:cNvPr id="5" name="Rectangle 4"/>
-              <p:cNvSpPr/>
-              <p:nvPr/>
-            </p:nvSpPr>
-            <p:spPr>
-              <a:xfrm>
-                <a:off x="5143501" y="5609799"/>
-                <a:ext cx="2038635" cy="369332"/>
-              </a:xfrm>
-              <a:prstGeom prst="rect">
-                <a:avLst/>
-              </a:prstGeom>
-            </p:spPr>
-            <p:txBody>
-              <a:bodyPr wrap="none">
-                <a:spAutoFit/>
-              </a:bodyPr>
-              <a:lstStyle/>
-              <a:p>
-                <a:r>
-                  <a:rPr lang="en-US" dirty="0" smtClean="0">
-                    <a:solidFill>
-                      <a:schemeClr val="bg1">
-                        <a:lumMod val="50000"/>
-                      </a:schemeClr>
-                    </a:solidFill>
-                  </a:rPr>
-                  <a:t>/groups/</a:t>
-                </a:r>
-                <a:r>
-                  <a:rPr lang="en-US" dirty="0" err="1" smtClean="0">
-                    <a:solidFill>
-                      <a:schemeClr val="bg1">
-                        <a:lumMod val="50000"/>
-                      </a:schemeClr>
-                    </a:solidFill>
-                  </a:rPr>
-                  <a:t>c.prog.alim</a:t>
-                </a:r>
-                <a:endParaRPr lang="en-US" dirty="0">
-                  <a:solidFill>
-                    <a:schemeClr val="bg1">
-                      <a:lumMod val="50000"/>
-                    </a:schemeClr>
-                  </a:solidFill>
-                </a:endParaRPr>
-              </a:p>
-            </p:txBody>
-          </p:sp>
-        </p:grpSp>
-      </p:grpSp>
-    </p:spTree>
-    <p:extLst>
-      <p:ext uri="{BB962C8B-B14F-4D97-AF65-F5344CB8AC3E}">
-        <p14:creationId xmlns:p14="http://schemas.microsoft.com/office/powerpoint/2010/main" val="1263167452"/>
-      </p:ext>
-    </p:extLst>
-  </p:cSld>
-  <p:clrMapOvr>
-    <a:masterClrMapping/>
-  </p:clrMapOvr>
-  <mc:AlternateContent xmlns:mc="http://schemas.openxmlformats.org/markup-compatibility/2006" xmlns:p14="http://schemas.microsoft.com/office/powerpoint/2010/main">
-    <mc:Choice Requires="p14">
-      <p:transition spd="med" p14:dur="700">
-        <p:fade/>
-      </p:transition>
-    </mc:Choice>
-    <mc:Fallback xmlns="">
-      <p:transition spd="med">
-        <p:fade/>
-      </p:transition>
-    </mc:Fallback>
-  </mc:AlternateContent>
-  <p:timing>
-    <p:tnLst>
-      <p:par>
-        <p:cTn id="1" dur="indefinite" restart="never" nodeType="tmRoot">
-          <p:childTnLst>
-            <p:seq concurrent="1" nextAc="seek">
-              <p:cTn id="2" dur="indefinite" nodeType="mainSeq">
-                <p:childTnLst>
-                  <p:par>
-                    <p:cTn id="3" fill="hold">
-                      <p:stCondLst>
-                        <p:cond delay="indefinite"/>
-                      </p:stCondLst>
-                      <p:childTnLst>
-                        <p:par>
-                          <p:cTn id="4" fill="hold">
-                            <p:stCondLst>
-                              <p:cond delay="0"/>
-                            </p:stCondLst>
-                            <p:childTnLst>
-                              <p:par>
-                                <p:cTn id="5" presetID="10" presetClass="entr" presetSubtype="0" fill="hold" grpId="0" nodeType="clickEffect">
-                                  <p:stCondLst>
-                                    <p:cond delay="0"/>
-                                  </p:stCondLst>
-                                  <p:iterate type="lt">
-                                    <p:tmPct val="0"/>
-                                  </p:iterate>
-                                  <p:childTnLst>
-                                    <p:set>
-                                      <p:cBhvr>
-                                        <p:cTn id="6" dur="1" fill="hold">
-                                          <p:stCondLst>
-                                            <p:cond delay="0"/>
-                                          </p:stCondLst>
-                                        </p:cTn>
-                                        <p:tgtEl>
-                                          <p:spTgt spid="8"/>
-                                        </p:tgtEl>
-                                        <p:attrNameLst>
-                                          <p:attrName>style.visibility</p:attrName>
-                                        </p:attrNameLst>
-                                      </p:cBhvr>
-                                      <p:to>
-                                        <p:strVal val="visible"/>
-                                      </p:to>
-                                    </p:set>
-                                    <p:animEffect transition="in" filter="fade">
-                                      <p:cBhvr>
-                                        <p:cTn id="7" dur="500"/>
-                                        <p:tgtEl>
-                                          <p:spTgt spid="8"/>
-                                        </p:tgtEl>
-                                      </p:cBhvr>
-                                    </p:animEffect>
-                                  </p:childTnLst>
-                                </p:cTn>
-                              </p:par>
-                              <p:par>
-                                <p:cTn id="8" presetID="16" presetClass="emph" presetSubtype="0" fill="hold" grpId="1" nodeType="withEffect">
-                                  <p:stCondLst>
-                                    <p:cond delay="0"/>
-                                  </p:stCondLst>
-                                  <p:iterate type="lt">
-                                    <p:tmPct val="4000"/>
-                                  </p:iterate>
-                                  <p:childTnLst>
-                                    <p:set>
-                                      <p:cBhvr override="childStyle">
-                                        <p:cTn id="9" dur="500" fill="hold"/>
-                                        <p:tgtEl>
-                                          <p:spTgt spid="8"/>
-                                        </p:tgtEl>
-                                        <p:attrNameLst>
-                                          <p:attrName>style.color</p:attrName>
-                                        </p:attrNameLst>
-                                      </p:cBhvr>
-                                      <p:to>
-                                        <p:clrVal>
-                                          <a:srgbClr val="00B0F0"/>
-                                        </p:clrVal>
-                                      </p:to>
-                                    </p:set>
-                                    <p:set>
-                                      <p:cBhvr>
-                                        <p:cTn id="10" dur="500" fill="hold"/>
-                                        <p:tgtEl>
-                                          <p:spTgt spid="8"/>
-                                        </p:tgtEl>
-                                        <p:attrNameLst>
-                                          <p:attrName>fillcolor</p:attrName>
-                                        </p:attrNameLst>
-                                      </p:cBhvr>
-                                      <p:to>
-                                        <p:clrVal>
-                                          <a:srgbClr val="00B0F0"/>
-                                        </p:clrVal>
-                                      </p:to>
-                                    </p:set>
-                                    <p:set>
-                                      <p:cBhvr>
-                                        <p:cTn id="11" dur="500" fill="hold"/>
-                                        <p:tgtEl>
-                                          <p:spTgt spid="8"/>
-                                        </p:tgtEl>
-                                        <p:attrNameLst>
-                                          <p:attrName>fill.type</p:attrName>
-                                        </p:attrNameLst>
-                                      </p:cBhvr>
-                                      <p:to>
-                                        <p:strVal val="solid"/>
-                                      </p:to>
-                                    </p:set>
-                                  </p:childTnLst>
-                                </p:cTn>
-                              </p:par>
-                              <p:par>
-                                <p:cTn id="12" presetID="15" presetClass="emph" presetSubtype="0" grpId="2" nodeType="withEffect">
-                                  <p:stCondLst>
-                                    <p:cond delay="1000"/>
-                                  </p:stCondLst>
-                                  <p:iterate type="lt">
-                                    <p:tmAbs val="25"/>
-                                  </p:iterate>
-                                  <p:childTnLst>
-                                    <p:set>
-                                      <p:cBhvr override="childStyle">
-                                        <p:cTn id="13" dur="4800"/>
-                                        <p:tgtEl>
-                                          <p:spTgt spid="8"/>
-                                        </p:tgtEl>
-                                        <p:attrNameLst>
-                                          <p:attrName>style.fontWeight</p:attrName>
-                                        </p:attrNameLst>
-                                      </p:cBhvr>
-                                      <p:to>
-                                        <p:strVal val="bold"/>
-                                      </p:to>
-                                    </p:set>
-                                  </p:childTnLst>
-                                </p:cTn>
-                              </p:par>
-                            </p:childTnLst>
-                          </p:cTn>
-                        </p:par>
-                      </p:childTnLst>
-                    </p:cTn>
-                  </p:par>
-                </p:childTnLst>
-              </p:cTn>
-              <p:prevCondLst>
-                <p:cond evt="onPrev" delay="0">
-                  <p:tgtEl>
-                    <p:sldTgt/>
-                  </p:tgtEl>
-                </p:cond>
-              </p:prevCondLst>
-              <p:nextCondLst>
-                <p:cond evt="onNext" delay="0">
-                  <p:tgtEl>
-                    <p:sldTgt/>
-                  </p:tgtEl>
-                </p:cond>
-              </p:nextCondLst>
-            </p:seq>
-          </p:childTnLst>
-        </p:cTn>
-      </p:par>
-    </p:tnLst>
-    <p:bldLst>
-      <p:bldP spid="8" grpId="0"/>
-      <p:bldP spid="8" grpId="1"/>
-      <p:bldP spid="8" grpId="2"/>
-    </p:bldLst>
-  </p:timing>
-</p:sld>
-</file>
-
-<file path=ppt/slides/slide6.xml><?xml version="1.0" encoding="utf-8"?>
-<p:sld xmlns:a="http://schemas.openxmlformats.org/drawingml/2006/main" xmlns:r="http://schemas.openxmlformats.org/officeDocument/2006/relationships" xmlns:p="http://schemas.openxmlformats.org/presentationml/2006/main">
-  <p:cSld>
-    <p:spTree>
-      <p:nvGrpSpPr>
-        <p:cNvPr id="1" name=""/>
-        <p:cNvGrpSpPr/>
-        <p:nvPr/>
-      </p:nvGrpSpPr>
-      <p:grpSpPr>
-        <a:xfrm>
-          <a:off x="0" y="0"/>
-          <a:ext cx="0" cy="0"/>
-          <a:chOff x="0" y="0"/>
-          <a:chExt cx="0" cy="0"/>
-        </a:xfrm>
-      </p:grpSpPr>
-      <p:sp>
-        <p:nvSpPr>
-          <p:cNvPr id="7" name="Slide Number Placeholder 6"/>
-          <p:cNvSpPr>
-            <a:spLocks noGrp="1"/>
-          </p:cNvSpPr>
-          <p:nvPr>
-            <p:ph type="sldNum" sz="quarter" idx="12"/>
-          </p:nvPr>
-        </p:nvSpPr>
-        <p:spPr/>
-        <p:txBody>
-          <a:bodyPr/>
-          <a:lstStyle/>
-          <a:p>
-            <a:fld id="{3405949F-09D4-4823-AF2C-A9E8A428D48D}" type="slidenum">
-              <a:rPr lang="en-US" smtClean="0"/>
-              <a:t>6</a:t>
+              <a:t>4</a:t>
             </a:fld>
             <a:endParaRPr lang="en-US"/>
           </a:p>
@@ -11546,7 +10603,7 @@
 </p:sld>
 </file>
 
-<file path=ppt/slides/slide7.xml><?xml version="1.0" encoding="utf-8"?>
+<file path=ppt/slides/slide5.xml><?xml version="1.0" encoding="utf-8"?>
 <p:sld xmlns:a="http://schemas.openxmlformats.org/drawingml/2006/main" xmlns:r="http://schemas.openxmlformats.org/officeDocument/2006/relationships" xmlns:p="http://schemas.openxmlformats.org/presentationml/2006/main">
   <p:cSld>
     <p:spTree>
@@ -11650,7 +10707,7 @@
           <a:p>
             <a:fld id="{3405949F-09D4-4823-AF2C-A9E8A428D48D}" type="slidenum">
               <a:rPr lang="en-US" smtClean="0"/>
-              <a:t>7</a:t>
+              <a:t>5</a:t>
             </a:fld>
             <a:endParaRPr lang="en-US"/>
           </a:p>
@@ -11891,7 +10948,7 @@
 </p:sld>
 </file>
 
-<file path=ppt/slides/slide8.xml><?xml version="1.0" encoding="utf-8"?>
+<file path=ppt/slides/slide6.xml><?xml version="1.0" encoding="utf-8"?>
 <p:sld xmlns:a="http://schemas.openxmlformats.org/drawingml/2006/main" xmlns:r="http://schemas.openxmlformats.org/officeDocument/2006/relationships" xmlns:p="http://schemas.openxmlformats.org/presentationml/2006/main">
   <p:cSld>
     <p:spTree>
@@ -11925,7 +10982,7 @@
           <a:p>
             <a:fld id="{3405949F-09D4-4823-AF2C-A9E8A428D48D}" type="slidenum">
               <a:rPr lang="en-US" smtClean="0"/>
-              <a:t>8</a:t>
+              <a:t>6</a:t>
             </a:fld>
             <a:endParaRPr lang="en-US"/>
           </a:p>
